--- a/RS3.pptx
+++ b/RS3.pptx
@@ -111,6 +111,11 @@
       </a:defRPr>
     </a:lvl9pPr>
   </p:defaultTextStyle>
+  <p:extLst>
+    <p:ext uri="{EFAFB233-063F-42B5-8137-9DF3F51BA10A}">
+      <p15:sldGuideLst xmlns:p15="http://schemas.microsoft.com/office/powerpoint/2012/main"/>
+    </p:ext>
+  </p:extLst>
 </p:presentation>
 </file>
 
@@ -261,7 +266,7 @@
           <a:p>
             <a:fld id="{3387821C-6C89-6341-97CC-6A82A5A4D455}" type="datetimeFigureOut">
               <a:rPr lang="sv-SE" smtClean="0"/>
-              <a:t>2019-05-13</a:t>
+              <a:t>2019-05-14</a:t>
             </a:fld>
             <a:endParaRPr lang="sv-SE"/>
           </a:p>
@@ -459,7 +464,7 @@
           <a:p>
             <a:fld id="{3387821C-6C89-6341-97CC-6A82A5A4D455}" type="datetimeFigureOut">
               <a:rPr lang="sv-SE" smtClean="0"/>
-              <a:t>2019-05-13</a:t>
+              <a:t>2019-05-14</a:t>
             </a:fld>
             <a:endParaRPr lang="sv-SE"/>
           </a:p>
@@ -667,7 +672,7 @@
           <a:p>
             <a:fld id="{3387821C-6C89-6341-97CC-6A82A5A4D455}" type="datetimeFigureOut">
               <a:rPr lang="sv-SE" smtClean="0"/>
-              <a:t>2019-05-13</a:t>
+              <a:t>2019-05-14</a:t>
             </a:fld>
             <a:endParaRPr lang="sv-SE"/>
           </a:p>
@@ -865,7 +870,7 @@
           <a:p>
             <a:fld id="{3387821C-6C89-6341-97CC-6A82A5A4D455}" type="datetimeFigureOut">
               <a:rPr lang="sv-SE" smtClean="0"/>
-              <a:t>2019-05-13</a:t>
+              <a:t>2019-05-14</a:t>
             </a:fld>
             <a:endParaRPr lang="sv-SE"/>
           </a:p>
@@ -1140,7 +1145,7 @@
           <a:p>
             <a:fld id="{3387821C-6C89-6341-97CC-6A82A5A4D455}" type="datetimeFigureOut">
               <a:rPr lang="sv-SE" smtClean="0"/>
-              <a:t>2019-05-13</a:t>
+              <a:t>2019-05-14</a:t>
             </a:fld>
             <a:endParaRPr lang="sv-SE"/>
           </a:p>
@@ -1405,7 +1410,7 @@
           <a:p>
             <a:fld id="{3387821C-6C89-6341-97CC-6A82A5A4D455}" type="datetimeFigureOut">
               <a:rPr lang="sv-SE" smtClean="0"/>
-              <a:t>2019-05-13</a:t>
+              <a:t>2019-05-14</a:t>
             </a:fld>
             <a:endParaRPr lang="sv-SE"/>
           </a:p>
@@ -1817,7 +1822,7 @@
           <a:p>
             <a:fld id="{3387821C-6C89-6341-97CC-6A82A5A4D455}" type="datetimeFigureOut">
               <a:rPr lang="sv-SE" smtClean="0"/>
-              <a:t>2019-05-13</a:t>
+              <a:t>2019-05-14</a:t>
             </a:fld>
             <a:endParaRPr lang="sv-SE"/>
           </a:p>
@@ -1958,7 +1963,7 @@
           <a:p>
             <a:fld id="{3387821C-6C89-6341-97CC-6A82A5A4D455}" type="datetimeFigureOut">
               <a:rPr lang="sv-SE" smtClean="0"/>
-              <a:t>2019-05-13</a:t>
+              <a:t>2019-05-14</a:t>
             </a:fld>
             <a:endParaRPr lang="sv-SE"/>
           </a:p>
@@ -2071,7 +2076,7 @@
           <a:p>
             <a:fld id="{3387821C-6C89-6341-97CC-6A82A5A4D455}" type="datetimeFigureOut">
               <a:rPr lang="sv-SE" smtClean="0"/>
-              <a:t>2019-05-13</a:t>
+              <a:t>2019-05-14</a:t>
             </a:fld>
             <a:endParaRPr lang="sv-SE"/>
           </a:p>
@@ -2382,7 +2387,7 @@
           <a:p>
             <a:fld id="{3387821C-6C89-6341-97CC-6A82A5A4D455}" type="datetimeFigureOut">
               <a:rPr lang="sv-SE" smtClean="0"/>
-              <a:t>2019-05-13</a:t>
+              <a:t>2019-05-14</a:t>
             </a:fld>
             <a:endParaRPr lang="sv-SE"/>
           </a:p>
@@ -2670,7 +2675,7 @@
           <a:p>
             <a:fld id="{3387821C-6C89-6341-97CC-6A82A5A4D455}" type="datetimeFigureOut">
               <a:rPr lang="sv-SE" smtClean="0"/>
-              <a:t>2019-05-13</a:t>
+              <a:t>2019-05-14</a:t>
             </a:fld>
             <a:endParaRPr lang="sv-SE"/>
           </a:p>
@@ -2911,7 +2916,7 @@
           <a:p>
             <a:fld id="{3387821C-6C89-6341-97CC-6A82A5A4D455}" type="datetimeFigureOut">
               <a:rPr lang="sv-SE" smtClean="0"/>
-              <a:t>2019-05-13</a:t>
+              <a:t>2019-05-14</a:t>
             </a:fld>
             <a:endParaRPr lang="sv-SE"/>
           </a:p>
@@ -3468,7 +3473,22 @@
           <a:bodyPr/>
           <a:lstStyle/>
           <a:p>
-            <a:endParaRPr lang="sv-SE"/>
+            <a:r>
+              <a:rPr lang="sv-SE" dirty="0"/>
+              <a:t>Gått upp i timmar</a:t>
+            </a:r>
+          </a:p>
+          <a:p>
+            <a:r>
+              <a:rPr lang="sv-SE" dirty="0"/>
+              <a:t>Vi har fått mer gjort</a:t>
+            </a:r>
+          </a:p>
+          <a:p>
+            <a:r>
+              <a:rPr lang="sv-SE" dirty="0"/>
+              <a:t>Uppnått nästan alla krav</a:t>
+            </a:r>
           </a:p>
         </p:txBody>
       </p:sp>
@@ -3551,7 +3571,10 @@
           <a:bodyPr/>
           <a:lstStyle/>
           <a:p>
-            <a:endParaRPr lang="sv-SE" dirty="0"/>
+            <a:r>
+              <a:rPr lang="sv-SE" dirty="0"/>
+              <a:t>Kommunikationen</a:t>
+            </a:r>
           </a:p>
           <a:p>
             <a:endParaRPr lang="sv-SE" dirty="0"/>
@@ -3654,7 +3677,7 @@
           <a:p>
             <a:r>
               <a:rPr lang="sv-SE" dirty="0"/>
-              <a:t>Tid hittills: </a:t>
+              <a:t>Tid hittills: 522 timmar </a:t>
             </a:r>
             <a:endParaRPr lang="sv-SE" b="0" dirty="0">
               <a:effectLst/>
@@ -3663,41 +3686,23 @@
           <a:p>
             <a:r>
               <a:rPr lang="sv-SE" dirty="0"/>
-              <a:t>i fas med planering och budget? Om inte vet man varför?</a:t>
-            </a:r>
-            <a:endParaRPr lang="sv-SE" b="0" dirty="0">
-              <a:effectLst/>
-            </a:endParaRPr>
-          </a:p>
-          <a:p>
+              <a:t>I fas? Vi </a:t>
+            </a:r>
+            <a:r>
+              <a:rPr lang="sv-SE"/>
+              <a:t>är back</a:t>
+            </a:r>
+            <a:endParaRPr lang="sv-SE" dirty="0"/>
+          </a:p>
+          <a:p>
+            <a:r>
+              <a:rPr lang="sv-SE" dirty="0" err="1"/>
+              <a:t>Tidsfödelning</a:t>
+            </a:r>
             <a:r>
               <a:rPr lang="sv-SE" dirty="0"/>
-              <a:t>Tiden fördelas över olika ”</a:t>
-            </a:r>
-            <a:r>
-              <a:rPr lang="sv-SE" dirty="0" err="1"/>
-              <a:t>work</a:t>
-            </a:r>
-            <a:r>
-              <a:rPr lang="sv-SE" dirty="0"/>
-              <a:t> item </a:t>
-            </a:r>
-            <a:r>
-              <a:rPr lang="sv-SE" dirty="0" err="1"/>
-              <a:t>types</a:t>
-            </a:r>
-            <a:r>
-              <a:rPr lang="sv-SE" dirty="0"/>
-              <a:t>”? Ser detta ut som ni trodde inför sprint 3?</a:t>
-            </a:r>
-            <a:endParaRPr lang="sv-SE" b="0" dirty="0">
-              <a:effectLst/>
-            </a:endParaRPr>
-          </a:p>
-          <a:p>
-            <a:pPr marL="0" indent="0">
-              <a:buNone/>
-            </a:pPr>
+              <a:t>: mest programmering</a:t>
+            </a:r>
             <a:br>
               <a:rPr lang="sv-SE" dirty="0"/>
             </a:br>

--- a/RS3.pptx
+++ b/RS3.pptx
@@ -3490,6 +3490,18 @@
               <a:t>Uppnått nästan alla krav</a:t>
             </a:r>
           </a:p>
+          <a:p>
+            <a:r>
+              <a:rPr lang="sv-SE" dirty="0"/>
+              <a:t>Setts oftare</a:t>
+            </a:r>
+          </a:p>
+          <a:p>
+            <a:pPr marL="0" indent="0">
+              <a:buNone/>
+            </a:pPr>
+            <a:endParaRPr lang="sv-SE" dirty="0"/>
+          </a:p>
         </p:txBody>
       </p:sp>
     </p:spTree>
@@ -3577,9 +3589,19 @@
             </a:r>
           </a:p>
           <a:p>
-            <a:endParaRPr lang="sv-SE" dirty="0"/>
-          </a:p>
-          <a:p>
+            <a:r>
+              <a:rPr lang="sv-SE" dirty="0" err="1"/>
+              <a:t>Oens</a:t>
+            </a:r>
+            <a:r>
+              <a:rPr lang="sv-SE" dirty="0"/>
+              <a:t> om ramverk</a:t>
+            </a:r>
+          </a:p>
+          <a:p>
+            <a:pPr marL="0" indent="0">
+              <a:buNone/>
+            </a:pPr>
             <a:endParaRPr lang="sv-SE" dirty="0"/>
           </a:p>
           <a:p>
@@ -3593,6 +3615,28 @@
               </a:rPr>
               <a:t>Tänka på till nästa sprint:</a:t>
             </a:r>
+          </a:p>
+          <a:p>
+            <a:r>
+              <a:rPr lang="sv-SE" dirty="0">
+                <a:cs typeface="Calibri Light" panose="020F0302020204030204" pitchFamily="34" charset="0"/>
+              </a:rPr>
+              <a:t>Förbättra kommunikationen som den var innan</a:t>
+            </a:r>
+          </a:p>
+          <a:p>
+            <a:r>
+              <a:rPr lang="sv-SE" dirty="0">
+                <a:cs typeface="Calibri Light" panose="020F0302020204030204" pitchFamily="34" charset="0"/>
+              </a:rPr>
+              <a:t>Fortsätta jobba mot timmarna vi har kvar</a:t>
+            </a:r>
+          </a:p>
+          <a:p>
+            <a:endParaRPr lang="sv-SE" b="1" dirty="0">
+              <a:latin typeface="Calibri Light" panose="020F0302020204030204" pitchFamily="34" charset="0"/>
+              <a:cs typeface="Calibri Light" panose="020F0302020204030204" pitchFamily="34" charset="0"/>
+            </a:endParaRPr>
           </a:p>
         </p:txBody>
       </p:sp>
@@ -3686,13 +3730,8 @@
           <a:p>
             <a:r>
               <a:rPr lang="sv-SE" dirty="0"/>
-              <a:t>I fas? Vi </a:t>
-            </a:r>
-            <a:r>
-              <a:rPr lang="sv-SE"/>
-              <a:t>är back</a:t>
-            </a:r>
-            <a:endParaRPr lang="sv-SE" dirty="0"/>
+              <a:t>I fas? Vi är back</a:t>
+            </a:r>
           </a:p>
           <a:p>
             <a:r>
@@ -3701,7 +3740,7 @@
             </a:r>
             <a:r>
               <a:rPr lang="sv-SE" dirty="0"/>
-              <a:t>: mest programmering</a:t>
+              <a:t>: mest programmering denna sprinten</a:t>
             </a:r>
             <a:br>
               <a:rPr lang="sv-SE" dirty="0"/>
@@ -3789,12 +3828,15 @@
           <a:bodyPr/>
           <a:lstStyle/>
           <a:p>
-            <a:pPr marL="0" indent="0">
-              <a:buNone/>
-            </a:pPr>
             <a:r>
               <a:rPr lang="sv-SE" dirty="0"/>
-              <a:t>* Hur lätt eller svårt hade de personer som testade åt er att förstå era testfall? Om där var problem vad bestod då dessa problem i? </a:t>
+              <a:t>Det kändes som det var lätt för våra testpersoner att testa vår produkt.</a:t>
+            </a:r>
+          </a:p>
+          <a:p>
+            <a:r>
+              <a:rPr lang="sv-SE" dirty="0"/>
+              <a:t>Vi hade skrivit fel på nått testfall.</a:t>
             </a:r>
           </a:p>
         </p:txBody>
@@ -3878,12 +3920,9 @@
           <a:bodyPr/>
           <a:lstStyle/>
           <a:p>
-            <a:pPr marL="0" indent="0">
-              <a:buNone/>
-            </a:pPr>
             <a:r>
               <a:rPr lang="sv-SE" dirty="0"/>
-              <a:t>* Hur lätt eller svårt var det att testa någon annans produkt? Förstod ni testfallen? Om inte vad var det som gjorde testfallen svåra att förstå? </a:t>
+              <a:t>Det var lätt att förstå andras produkter.</a:t>
             </a:r>
           </a:p>
         </p:txBody>
@@ -3969,26 +4008,30 @@
           <a:p>
             <a:r>
               <a:rPr lang="sv-SE" dirty="0"/>
-              <a:t>Vilka problem har man haft och hur löste man dessa (känsliga problem av personlig</a:t>
-            </a:r>
-            <a:endParaRPr lang="sv-SE" b="0" dirty="0">
-              <a:effectLst/>
-            </a:endParaRPr>
+              <a:t>1 person har tagit studieuppehåll</a:t>
+            </a:r>
           </a:p>
           <a:p>
             <a:r>
               <a:rPr lang="sv-SE" dirty="0"/>
-              <a:t>karaktär kan undvikas vid dessa möten)</a:t>
-            </a:r>
-            <a:endParaRPr lang="sv-SE" b="0" dirty="0">
-              <a:effectLst/>
-            </a:endParaRPr>
-          </a:p>
-          <a:p>
-            <a:pPr marL="0" indent="0">
-              <a:buNone/>
-            </a:pPr>
-            <a:endParaRPr lang="sv-SE" dirty="0"/>
+              <a:t>Studieuppehållet har påverkat projektet i sin helhet</a:t>
+            </a:r>
+          </a:p>
+          <a:p>
+            <a:r>
+              <a:rPr lang="sv-SE" dirty="0"/>
+              <a:t>Problem att hitta lösningar till vår kod</a:t>
+            </a:r>
+          </a:p>
+          <a:p>
+            <a:r>
+              <a:rPr lang="sv-SE" dirty="0" err="1"/>
+              <a:t>Oens</a:t>
+            </a:r>
+            <a:r>
+              <a:rPr lang="sv-SE" dirty="0"/>
+              <a:t> om kodupplägg</a:t>
+            </a:r>
           </a:p>
         </p:txBody>
       </p:sp>
@@ -4073,8 +4116,33 @@
           <a:p>
             <a:r>
               <a:rPr lang="sv-SE" dirty="0"/>
-              <a:t>Kan de kopplas till identifierade risker?</a:t>
-            </a:r>
+              <a:t>Risk RG1 </a:t>
+            </a:r>
+            <a:r>
+              <a:rPr lang="sv-SE" dirty="0" err="1"/>
+              <a:t>avhoppning</a:t>
+            </a:r>
+            <a:r>
+              <a:rPr lang="sv-SE" dirty="0"/>
+              <a:t> </a:t>
+            </a:r>
+          </a:p>
+          <a:p>
+            <a:r>
+              <a:rPr lang="sv-SE" dirty="0"/>
+              <a:t>Risk RK1 kompetens</a:t>
+            </a:r>
+          </a:p>
+          <a:p>
+            <a:r>
+              <a:rPr lang="sv-SE" dirty="0"/>
+              <a:t>Risk RP1 Annan </a:t>
+            </a:r>
+            <a:r>
+              <a:rPr lang="sv-SE" dirty="0" err="1"/>
+              <a:t>skolaktivitet</a:t>
+            </a:r>
+            <a:endParaRPr lang="sv-SE" dirty="0"/>
           </a:p>
         </p:txBody>
       </p:sp>
